--- a/טבלאות.pptx
+++ b/טבלאות.pptx
@@ -104,6 +104,11 @@
       </a:defRPr>
     </a:lvl9pPr>
   </p:defaultTextStyle>
+  <p:extLst>
+    <p:ext uri="{EFAFB233-063F-42B5-8137-9DF3F51BA10A}">
+      <p15:sldGuideLst xmlns:p15="http://schemas.microsoft.com/office/powerpoint/2012/main"/>
+    </p:ext>
+  </p:extLst>
 </p:presentation>
 </file>
 
@@ -254,7 +259,7 @@
           <a:p>
             <a:fld id="{80149439-0A82-4943-A58C-9CCD562CD72E}" type="datetimeFigureOut">
               <a:rPr lang="he-IL" smtClean="0"/>
-              <a:t>י"ח/אדר/תשפ"ה</a:t>
+              <a:t>י"ט/אדר/תשפ"ה</a:t>
             </a:fld>
             <a:endParaRPr lang="he-IL"/>
           </a:p>
@@ -452,7 +457,7 @@
           <a:p>
             <a:fld id="{80149439-0A82-4943-A58C-9CCD562CD72E}" type="datetimeFigureOut">
               <a:rPr lang="he-IL" smtClean="0"/>
-              <a:t>י"ח/אדר/תשפ"ה</a:t>
+              <a:t>י"ט/אדר/תשפ"ה</a:t>
             </a:fld>
             <a:endParaRPr lang="he-IL"/>
           </a:p>
@@ -660,7 +665,7 @@
           <a:p>
             <a:fld id="{80149439-0A82-4943-A58C-9CCD562CD72E}" type="datetimeFigureOut">
               <a:rPr lang="he-IL" smtClean="0"/>
-              <a:t>י"ח/אדר/תשפ"ה</a:t>
+              <a:t>י"ט/אדר/תשפ"ה</a:t>
             </a:fld>
             <a:endParaRPr lang="he-IL"/>
           </a:p>
@@ -858,7 +863,7 @@
           <a:p>
             <a:fld id="{80149439-0A82-4943-A58C-9CCD562CD72E}" type="datetimeFigureOut">
               <a:rPr lang="he-IL" smtClean="0"/>
-              <a:t>י"ח/אדר/תשפ"ה</a:t>
+              <a:t>י"ט/אדר/תשפ"ה</a:t>
             </a:fld>
             <a:endParaRPr lang="he-IL"/>
           </a:p>
@@ -1133,7 +1138,7 @@
           <a:p>
             <a:fld id="{80149439-0A82-4943-A58C-9CCD562CD72E}" type="datetimeFigureOut">
               <a:rPr lang="he-IL" smtClean="0"/>
-              <a:t>י"ח/אדר/תשפ"ה</a:t>
+              <a:t>י"ט/אדר/תשפ"ה</a:t>
             </a:fld>
             <a:endParaRPr lang="he-IL"/>
           </a:p>
@@ -1398,7 +1403,7 @@
           <a:p>
             <a:fld id="{80149439-0A82-4943-A58C-9CCD562CD72E}" type="datetimeFigureOut">
               <a:rPr lang="he-IL" smtClean="0"/>
-              <a:t>י"ח/אדר/תשפ"ה</a:t>
+              <a:t>י"ט/אדר/תשפ"ה</a:t>
             </a:fld>
             <a:endParaRPr lang="he-IL"/>
           </a:p>
@@ -1810,7 +1815,7 @@
           <a:p>
             <a:fld id="{80149439-0A82-4943-A58C-9CCD562CD72E}" type="datetimeFigureOut">
               <a:rPr lang="he-IL" smtClean="0"/>
-              <a:t>י"ח/אדר/תשפ"ה</a:t>
+              <a:t>י"ט/אדר/תשפ"ה</a:t>
             </a:fld>
             <a:endParaRPr lang="he-IL"/>
           </a:p>
@@ -1951,7 +1956,7 @@
           <a:p>
             <a:fld id="{80149439-0A82-4943-A58C-9CCD562CD72E}" type="datetimeFigureOut">
               <a:rPr lang="he-IL" smtClean="0"/>
-              <a:t>י"ח/אדר/תשפ"ה</a:t>
+              <a:t>י"ט/אדר/תשפ"ה</a:t>
             </a:fld>
             <a:endParaRPr lang="he-IL"/>
           </a:p>
@@ -2064,7 +2069,7 @@
           <a:p>
             <a:fld id="{80149439-0A82-4943-A58C-9CCD562CD72E}" type="datetimeFigureOut">
               <a:rPr lang="he-IL" smtClean="0"/>
-              <a:t>י"ח/אדר/תשפ"ה</a:t>
+              <a:t>י"ט/אדר/תשפ"ה</a:t>
             </a:fld>
             <a:endParaRPr lang="he-IL"/>
           </a:p>
@@ -2375,7 +2380,7 @@
           <a:p>
             <a:fld id="{80149439-0A82-4943-A58C-9CCD562CD72E}" type="datetimeFigureOut">
               <a:rPr lang="he-IL" smtClean="0"/>
-              <a:t>י"ח/אדר/תשפ"ה</a:t>
+              <a:t>י"ט/אדר/תשפ"ה</a:t>
             </a:fld>
             <a:endParaRPr lang="he-IL"/>
           </a:p>
@@ -2663,7 +2668,7 @@
           <a:p>
             <a:fld id="{80149439-0A82-4943-A58C-9CCD562CD72E}" type="datetimeFigureOut">
               <a:rPr lang="he-IL" smtClean="0"/>
-              <a:t>י"ח/אדר/תשפ"ה</a:t>
+              <a:t>י"ט/אדר/תשפ"ה</a:t>
             </a:fld>
             <a:endParaRPr lang="he-IL"/>
           </a:p>
@@ -2904,7 +2909,7 @@
           <a:p>
             <a:fld id="{80149439-0A82-4943-A58C-9CCD562CD72E}" type="datetimeFigureOut">
               <a:rPr lang="he-IL" smtClean="0"/>
-              <a:t>י"ח/אדר/תשפ"ה</a:t>
+              <a:t>י"ט/אדר/תשפ"ה</a:t>
             </a:fld>
             <a:endParaRPr lang="he-IL"/>
           </a:p>
@@ -7972,6 +7977,47 @@
           </a:fontRef>
         </p:style>
       </p:cxnSp>
+      <p:cxnSp>
+        <p:nvCxnSpPr>
+          <p:cNvPr id="3" name="מחבר: מעוקל 2">
+            <a:extLst>
+              <a:ext uri="{FF2B5EF4-FFF2-40B4-BE49-F238E27FC236}">
+                <a16:creationId xmlns:a16="http://schemas.microsoft.com/office/drawing/2014/main" id="{B6A95223-3828-4CAE-808C-8C6F9F57CA8D}"/>
+              </a:ext>
+            </a:extLst>
+          </p:cNvPr>
+          <p:cNvCxnSpPr/>
+          <p:nvPr/>
+        </p:nvCxnSpPr>
+        <p:spPr>
+          <a:xfrm rot="10800000">
+            <a:off x="8078681" y="584827"/>
+            <a:ext cx="3230011" cy="1439283"/>
+          </a:xfrm>
+          <a:prstGeom prst="curvedConnector3">
+            <a:avLst>
+              <a:gd name="adj1" fmla="val -8543"/>
+            </a:avLst>
+          </a:prstGeom>
+          <a:ln>
+            <a:tailEnd type="triangle"/>
+          </a:ln>
+        </p:spPr>
+        <p:style>
+          <a:lnRef idx="1">
+            <a:schemeClr val="accent1"/>
+          </a:lnRef>
+          <a:fillRef idx="0">
+            <a:schemeClr val="accent1"/>
+          </a:fillRef>
+          <a:effectRef idx="0">
+            <a:schemeClr val="accent1"/>
+          </a:effectRef>
+          <a:fontRef idx="minor">
+            <a:schemeClr val="tx1"/>
+          </a:fontRef>
+        </p:style>
+      </p:cxnSp>
     </p:spTree>
     <p:extLst>
       <p:ext uri="{BB962C8B-B14F-4D97-AF65-F5344CB8AC3E}">
